--- a/PPT_ Killer_Bears.pptx
+++ b/PPT_ Killer_Bears.pptx
@@ -5,7 +5,7 @@
     <p:sldMasterId id="2147483659" r:id="rId1"/>
   </p:sldMasterIdLst>
   <p:notesMasterIdLst>
-    <p:notesMasterId r:id="rId15"/>
+    <p:notesMasterId r:id="rId16"/>
   </p:notesMasterIdLst>
   <p:sldIdLst>
     <p:sldId id="256" r:id="rId2"/>
@@ -18,21 +18,22 @@
     <p:sldId id="261" r:id="rId9"/>
     <p:sldId id="268" r:id="rId10"/>
     <p:sldId id="269" r:id="rId11"/>
-    <p:sldId id="263" r:id="rId12"/>
-    <p:sldId id="264" r:id="rId13"/>
-    <p:sldId id="265" r:id="rId14"/>
+    <p:sldId id="271" r:id="rId12"/>
+    <p:sldId id="263" r:id="rId13"/>
+    <p:sldId id="264" r:id="rId14"/>
+    <p:sldId id="265" r:id="rId15"/>
   </p:sldIdLst>
   <p:sldSz cx="9144000" cy="5143500" type="screen16x9"/>
   <p:notesSz cx="6858000" cy="9144000"/>
   <p:embeddedFontLst>
     <p:embeddedFont>
       <p:font typeface="Average" panose="020B0604020202020204" charset="0"/>
-      <p:regular r:id="rId16"/>
+      <p:regular r:id="rId17"/>
     </p:embeddedFont>
     <p:embeddedFont>
       <p:font typeface="Oswald" panose="020B0604020202020204" charset="0"/>
-      <p:regular r:id="rId17"/>
-      <p:bold r:id="rId18"/>
+      <p:regular r:id="rId18"/>
+      <p:bold r:id="rId19"/>
     </p:embeddedFont>
   </p:embeddedFontLst>
   <p:defaultTextStyle>
@@ -833,6 +834,110 @@
   <p:cSld>
     <p:spTree>
       <p:nvGrpSpPr>
+        <p:cNvPr id="1" name="Shape 111"/>
+        <p:cNvGrpSpPr/>
+        <p:nvPr/>
+      </p:nvGrpSpPr>
+      <p:grpSpPr>
+        <a:xfrm>
+          <a:off x="0" y="0"/>
+          <a:ext cx="0" cy="0"/>
+          <a:chOff x="0" y="0"/>
+          <a:chExt cx="0" cy="0"/>
+        </a:xfrm>
+      </p:grpSpPr>
+      <p:sp>
+        <p:nvSpPr>
+          <p:cNvPr id="112" name="Google Shape;112;g764624b56d_0_9:notes"/>
+          <p:cNvSpPr>
+            <a:spLocks noGrp="1" noRot="1" noChangeAspect="1"/>
+          </p:cNvSpPr>
+          <p:nvPr>
+            <p:ph type="sldImg" idx="2"/>
+          </p:nvPr>
+        </p:nvSpPr>
+        <p:spPr>
+          <a:xfrm>
+            <a:off x="381300" y="685800"/>
+            <a:ext cx="6096000" cy="3429000"/>
+          </a:xfrm>
+          <a:custGeom>
+            <a:avLst/>
+            <a:gdLst/>
+            <a:ahLst/>
+            <a:cxnLst/>
+            <a:rect l="l" t="t" r="r" b="b"/>
+            <a:pathLst>
+              <a:path w="120000" h="120000" extrusionOk="0">
+                <a:moveTo>
+                  <a:pt x="0" y="0"/>
+                </a:moveTo>
+                <a:lnTo>
+                  <a:pt x="120000" y="0"/>
+                </a:lnTo>
+                <a:lnTo>
+                  <a:pt x="120000" y="120000"/>
+                </a:lnTo>
+                <a:lnTo>
+                  <a:pt x="0" y="120000"/>
+                </a:lnTo>
+                <a:close/>
+              </a:path>
+            </a:pathLst>
+          </a:custGeom>
+        </p:spPr>
+      </p:sp>
+      <p:sp>
+        <p:nvSpPr>
+          <p:cNvPr id="113" name="Google Shape;113;g764624b56d_0_9:notes"/>
+          <p:cNvSpPr txBox="1">
+            <a:spLocks noGrp="1"/>
+          </p:cNvSpPr>
+          <p:nvPr>
+            <p:ph type="body" idx="1"/>
+          </p:nvPr>
+        </p:nvSpPr>
+        <p:spPr>
+          <a:xfrm>
+            <a:off x="685800" y="4343400"/>
+            <a:ext cx="5486400" cy="4114800"/>
+          </a:xfrm>
+          <a:prstGeom prst="rect">
+            <a:avLst/>
+          </a:prstGeom>
+        </p:spPr>
+        <p:txBody>
+          <a:bodyPr spcFirstLastPara="1" wrap="square" lIns="91425" tIns="91425" rIns="91425" bIns="91425" anchor="t" anchorCtr="0">
+            <a:noAutofit/>
+          </a:bodyPr>
+          <a:lstStyle/>
+          <a:p>
+            <a:pPr marL="0" lvl="0" indent="0" algn="l" rtl="0">
+              <a:spcBef>
+                <a:spcPts val="0"/>
+              </a:spcBef>
+              <a:spcAft>
+                <a:spcPts val="0"/>
+              </a:spcAft>
+              <a:buNone/>
+            </a:pPr>
+            <a:endParaRPr/>
+          </a:p>
+        </p:txBody>
+      </p:sp>
+    </p:spTree>
+  </p:cSld>
+  <p:clrMapOvr>
+    <a:masterClrMapping/>
+  </p:clrMapOvr>
+</p:notes>
+</file>
+
+<file path=ppt/notesSlides/notesSlide11.xml><?xml version="1.0" encoding="utf-8"?>
+<p:notes xmlns:a="http://schemas.openxmlformats.org/drawingml/2006/main" xmlns:r="http://schemas.openxmlformats.org/officeDocument/2006/relationships" xmlns:p="http://schemas.openxmlformats.org/presentationml/2006/main" showMasterSp="0" showMasterPhAnim="0">
+  <p:cSld>
+    <p:spTree>
+      <p:nvGrpSpPr>
         <p:cNvPr id="1" name="Shape 104"/>
         <p:cNvGrpSpPr/>
         <p:nvPr/>
@@ -932,7 +1037,7 @@
 </p:notes>
 </file>
 
-<file path=ppt/notesSlides/notesSlide11.xml><?xml version="1.0" encoding="utf-8"?>
+<file path=ppt/notesSlides/notesSlide12.xml><?xml version="1.0" encoding="utf-8"?>
 <p:notes xmlns:a="http://schemas.openxmlformats.org/drawingml/2006/main" xmlns:r="http://schemas.openxmlformats.org/officeDocument/2006/relationships" xmlns:p="http://schemas.openxmlformats.org/presentationml/2006/main" showMasterSp="0" showMasterPhAnim="0">
   <p:cSld>
     <p:spTree>
@@ -1036,7 +1141,7 @@
 </p:notes>
 </file>
 
-<file path=ppt/notesSlides/notesSlide12.xml><?xml version="1.0" encoding="utf-8"?>
+<file path=ppt/notesSlides/notesSlide13.xml><?xml version="1.0" encoding="utf-8"?>
 <p:notes xmlns:a="http://schemas.openxmlformats.org/drawingml/2006/main" xmlns:r="http://schemas.openxmlformats.org/officeDocument/2006/relationships" xmlns:p="http://schemas.openxmlformats.org/presentationml/2006/main" showMasterSp="0" showMasterPhAnim="0">
   <p:cSld>
     <p:spTree>
@@ -1902,7 +2007,7 @@
         </p:nvSpPr>
         <p:spPr>
           <a:xfrm>
-            <a:off x="381300" y="685800"/>
+            <a:off x="381000" y="685800"/>
             <a:ext cx="6096000" cy="3429000"/>
           </a:xfrm>
           <a:custGeom>
@@ -8159,6 +8264,113 @@
   <p:cSld>
     <p:spTree>
       <p:nvGrpSpPr>
+        <p:cNvPr id="1" name="Shape 114"/>
+        <p:cNvGrpSpPr/>
+        <p:nvPr/>
+      </p:nvGrpSpPr>
+      <p:grpSpPr>
+        <a:xfrm>
+          <a:off x="0" y="0"/>
+          <a:ext cx="0" cy="0"/>
+          <a:chOff x="0" y="0"/>
+          <a:chExt cx="0" cy="0"/>
+        </a:xfrm>
+      </p:grpSpPr>
+      <p:sp>
+        <p:nvSpPr>
+          <p:cNvPr id="115" name="Google Shape;115;p21"/>
+          <p:cNvSpPr txBox="1">
+            <a:spLocks noGrp="1"/>
+          </p:cNvSpPr>
+          <p:nvPr>
+            <p:ph type="title"/>
+          </p:nvPr>
+        </p:nvSpPr>
+        <p:spPr>
+          <a:xfrm>
+            <a:off x="311700" y="445025"/>
+            <a:ext cx="8520600" cy="572700"/>
+          </a:xfrm>
+          <a:prstGeom prst="rect">
+            <a:avLst/>
+          </a:prstGeom>
+        </p:spPr>
+        <p:txBody>
+          <a:bodyPr spcFirstLastPara="1" wrap="square" lIns="91425" tIns="91425" rIns="91425" bIns="91425" anchor="t" anchorCtr="0">
+            <a:noAutofit/>
+          </a:bodyPr>
+          <a:lstStyle/>
+          <a:p>
+            <a:pPr marL="0" lvl="0" indent="0" algn="l" rtl="0">
+              <a:spcBef>
+                <a:spcPts val="0"/>
+              </a:spcBef>
+              <a:spcAft>
+                <a:spcPts val="0"/>
+              </a:spcAft>
+              <a:buNone/>
+            </a:pPr>
+            <a:r>
+              <a:rPr lang="en"/>
+              <a:t>Seasonal Killings</a:t>
+            </a:r>
+            <a:endParaRPr/>
+          </a:p>
+          <a:p>
+            <a:pPr marL="0" lvl="0" indent="0" algn="l" rtl="0">
+              <a:spcBef>
+                <a:spcPts val="0"/>
+              </a:spcBef>
+              <a:spcAft>
+                <a:spcPts val="0"/>
+              </a:spcAft>
+              <a:buNone/>
+            </a:pPr>
+            <a:endParaRPr/>
+          </a:p>
+        </p:txBody>
+      </p:sp>
+      <p:pic>
+        <p:nvPicPr>
+          <p:cNvPr id="116" name="Google Shape;116;p21"/>
+          <p:cNvPicPr preferRelativeResize="0"/>
+          <p:nvPr/>
+        </p:nvPicPr>
+        <p:blipFill>
+          <a:blip r:embed="rId3">
+            <a:alphaModFix/>
+          </a:blip>
+          <a:stretch>
+            <a:fillRect/>
+          </a:stretch>
+        </p:blipFill>
+        <p:spPr>
+          <a:xfrm>
+            <a:off x="153075" y="1170125"/>
+            <a:ext cx="8838527" cy="3657600"/>
+          </a:xfrm>
+          <a:prstGeom prst="rect">
+            <a:avLst/>
+          </a:prstGeom>
+          <a:noFill/>
+          <a:ln>
+            <a:noFill/>
+          </a:ln>
+        </p:spPr>
+      </p:pic>
+    </p:spTree>
+  </p:cSld>
+  <p:clrMapOvr>
+    <a:masterClrMapping/>
+  </p:clrMapOvr>
+</p:sld>
+</file>
+
+<file path=ppt/slides/slide12.xml><?xml version="1.0" encoding="utf-8"?>
+<p:sld xmlns:a="http://schemas.openxmlformats.org/drawingml/2006/main" xmlns:r="http://schemas.openxmlformats.org/officeDocument/2006/relationships" xmlns:p="http://schemas.openxmlformats.org/presentationml/2006/main">
+  <p:cSld>
+    <p:spTree>
+      <p:nvGrpSpPr>
         <p:cNvPr id="1" name="Shape 107"/>
         <p:cNvGrpSpPr/>
         <p:nvPr/>
@@ -8332,7 +8544,7 @@
 </p:sld>
 </file>
 
-<file path=ppt/slides/slide12.xml><?xml version="1.0" encoding="utf-8"?>
+<file path=ppt/slides/slide13.xml><?xml version="1.0" encoding="utf-8"?>
 <p:sld xmlns:a="http://schemas.openxmlformats.org/drawingml/2006/main" xmlns:r="http://schemas.openxmlformats.org/officeDocument/2006/relationships" xmlns:p="http://schemas.openxmlformats.org/presentationml/2006/main">
   <p:cSld>
     <p:spTree>
@@ -8690,7 +8902,7 @@
 </p:sld>
 </file>
 
-<file path=ppt/slides/slide13.xml><?xml version="1.0" encoding="utf-8"?>
+<file path=ppt/slides/slide14.xml><?xml version="1.0" encoding="utf-8"?>
 <p:sld xmlns:a="http://schemas.openxmlformats.org/drawingml/2006/main" xmlns:r="http://schemas.openxmlformats.org/officeDocument/2006/relationships" xmlns:p="http://schemas.openxmlformats.org/presentationml/2006/main">
   <p:cSld>
     <p:spTree>

--- a/PPT_ Killer_Bears.pptx
+++ b/PPT_ Killer_Bears.pptx
@@ -10458,11 +10458,15 @@
             </a:pPr>
             <a:r>
               <a:rPr lang="en" sz="1800" b="1" dirty="0"/>
-              <a:t>Number of Victims:</a:t>
+              <a:t>Number of Victims</a:t>
             </a:r>
             <a:r>
-              <a:rPr lang="en" sz="1800" dirty="0"/>
-              <a:t> 167 </a:t>
+              <a:rPr lang="en" sz="1800" b="1"/>
+              <a:t>:</a:t>
+            </a:r>
+            <a:r>
+              <a:rPr lang="en" sz="1800"/>
+              <a:t> 166 </a:t>
             </a:r>
             <a:endParaRPr sz="1800" dirty="0"/>
           </a:p>

--- a/PPT_ Killer_Bears.pptx
+++ b/PPT_ Killer_Bears.pptx
@@ -10458,14 +10458,10 @@
             </a:pPr>
             <a:r>
               <a:rPr lang="en" sz="1800" b="1" dirty="0"/>
-              <a:t>Number of Victims</a:t>
+              <a:t>Number of Victims:</a:t>
             </a:r>
             <a:r>
-              <a:rPr lang="en" sz="1800" b="1"/>
-              <a:t>:</a:t>
-            </a:r>
-            <a:r>
-              <a:rPr lang="en" sz="1800"/>
+              <a:rPr lang="en" sz="1800" dirty="0"/>
               <a:t> 166 </a:t>
             </a:r>
             <a:endParaRPr sz="1800" dirty="0"/>
